--- a/test/pptx/two-column/text-and-image/moved-layouts.pptx
+++ b/test/pptx/two-column/text-and-image/moved-layouts.pptx
@@ -5750,15 +5750,7 @@
             </a:pPr>
             <a:r>
               <a:rPr/>
-              <a:t>Slide</a:t>
-            </a:r>
-            <a:r>
-              <a:rPr/>
-              <a:t> </a:t>
-            </a:r>
-            <a:r>
-              <a:rPr/>
-              <a:t>1</a:t>
+              <a:t>Slide 1</a:t>
             </a:r>
           </a:p>
         </p:txBody>
@@ -5818,15 +5810,7 @@
             </a:pPr>
             <a:r>
               <a:rPr/>
-              <a:t>an</a:t>
-            </a:r>
-            <a:r>
-              <a:rPr/>
-              <a:t> </a:t>
-            </a:r>
-            <a:r>
-              <a:rPr/>
-              <a:t>image</a:t>
+              <a:t>an image</a:t>
             </a:r>
           </a:p>
         </p:txBody>
@@ -5906,15 +5890,7 @@
             </a:pPr>
             <a:r>
               <a:rPr/>
-              <a:t>Slide</a:t>
-            </a:r>
-            <a:r>
-              <a:rPr/>
-              <a:t> </a:t>
-            </a:r>
-            <a:r>
-              <a:rPr/>
-              <a:t>2</a:t>
+              <a:t>Slide 2</a:t>
             </a:r>
           </a:p>
         </p:txBody>
@@ -5999,15 +5975,7 @@
             </a:pPr>
             <a:r>
               <a:rPr/>
-              <a:t>an</a:t>
-            </a:r>
-            <a:r>
-              <a:rPr/>
-              <a:t> </a:t>
-            </a:r>
-            <a:r>
-              <a:rPr/>
-              <a:t>image</a:t>
+              <a:t>an image</a:t>
             </a:r>
           </a:p>
         </p:txBody>

--- a/test/pptx/two-column/text-and-image/moved-layouts.pptx
+++ b/test/pptx/two-column/text-and-image/moved-layouts.pptx
@@ -5750,11 +5750,7 @@
             </a:pPr>
             <a:r>
               <a:rPr/>
-              <a:t>Slide</a:t>
-            </a:r>
-            <a:r>
-              <a:rPr/>
-              <a:t> </a:t>
+              <a:t>Slide </a:t>
             </a:r>
             <a:r>
               <a:rPr/>
@@ -5818,11 +5814,7 @@
             </a:pPr>
             <a:r>
               <a:rPr/>
-              <a:t>an</a:t>
-            </a:r>
-            <a:r>
-              <a:rPr/>
-              <a:t> </a:t>
+              <a:t>an </a:t>
             </a:r>
             <a:r>
               <a:rPr/>
@@ -5906,11 +5898,7 @@
             </a:pPr>
             <a:r>
               <a:rPr/>
-              <a:t>Slide</a:t>
-            </a:r>
-            <a:r>
-              <a:rPr/>
-              <a:t> </a:t>
+              <a:t>Slide </a:t>
             </a:r>
             <a:r>
               <a:rPr/>
@@ -5999,11 +5987,7 @@
             </a:pPr>
             <a:r>
               <a:rPr/>
-              <a:t>an</a:t>
-            </a:r>
-            <a:r>
-              <a:rPr/>
-              <a:t> </a:t>
+              <a:t>an </a:t>
             </a:r>
             <a:r>
               <a:rPr/>

--- a/test/pptx/two-column/text-and-image/moved-layouts.pptx
+++ b/test/pptx/two-column/text-and-image/moved-layouts.pptx
@@ -5750,7 +5750,11 @@
             </a:pPr>
             <a:r>
               <a:rPr/>
-              <a:t>Slide </a:t>
+              <a:t>Slide</a:t>
+            </a:r>
+            <a:r>
+              <a:rPr/>
+              <a:t> </a:t>
             </a:r>
             <a:r>
               <a:rPr/>
@@ -5814,7 +5818,11 @@
             </a:pPr>
             <a:r>
               <a:rPr/>
-              <a:t>an </a:t>
+              <a:t>an</a:t>
+            </a:r>
+            <a:r>
+              <a:rPr/>
+              <a:t> </a:t>
             </a:r>
             <a:r>
               <a:rPr/>
@@ -5898,7 +5906,11 @@
             </a:pPr>
             <a:r>
               <a:rPr/>
-              <a:t>Slide </a:t>
+              <a:t>Slide</a:t>
+            </a:r>
+            <a:r>
+              <a:rPr/>
+              <a:t> </a:t>
             </a:r>
             <a:r>
               <a:rPr/>
@@ -5987,7 +5999,11 @@
             </a:pPr>
             <a:r>
               <a:rPr/>
-              <a:t>an </a:t>
+              <a:t>an</a:t>
+            </a:r>
+            <a:r>
+              <a:rPr/>
+              <a:t> </a:t>
             </a:r>
             <a:r>
               <a:rPr/>
